--- a/in_class_slides/geog4300_W09-1 Chi square normality non-parametric.pptx
+++ b/in_class_slides/geog4300_W09-1 Chi square normality non-parametric.pptx
@@ -5,7 +5,7 @@
     <p:sldMasterId id="2147483660" r:id="rId1"/>
   </p:sldMasterIdLst>
   <p:notesMasterIdLst>
-    <p:notesMasterId r:id="rId15"/>
+    <p:notesMasterId r:id="rId16"/>
   </p:notesMasterIdLst>
   <p:sldIdLst>
     <p:sldId id="256" r:id="rId2"/>
@@ -21,6 +21,7 @@
     <p:sldId id="304" r:id="rId12"/>
     <p:sldId id="305" r:id="rId13"/>
     <p:sldId id="306" r:id="rId14"/>
+    <p:sldId id="307" r:id="rId15"/>
   </p:sldIdLst>
   <p:sldSz cx="12192000" cy="6858000"/>
   <p:notesSz cx="6858000" cy="9144000"/>
@@ -209,7 +210,7 @@
           <a:p>
             <a:fld id="{F1C23026-85D4-48E8-9219-18000F688023}" type="datetimeFigureOut">
               <a:rPr lang="en-US" smtClean="0"/>
-              <a:t>10/14/2021</a:t>
+              <a:t>10/19/2021</a:t>
             </a:fld>
             <a:endParaRPr lang="en-US"/>
           </a:p>
@@ -1244,6 +1245,198 @@
 </p:notes>
 </file>
 
+<file path=ppt/notesSlides/notesSlide13.xml><?xml version="1.0" encoding="utf-8"?>
+<p:notes xmlns:a="http://schemas.openxmlformats.org/drawingml/2006/main" xmlns:r="http://schemas.openxmlformats.org/officeDocument/2006/relationships" xmlns:p="http://schemas.openxmlformats.org/presentationml/2006/main" showMasterSp="0" showMasterPhAnim="0">
+  <p:cSld>
+    <p:spTree>
+      <p:nvGrpSpPr>
+        <p:cNvPr id="1" name="Shape 96"/>
+        <p:cNvGrpSpPr/>
+        <p:nvPr/>
+      </p:nvGrpSpPr>
+      <p:grpSpPr>
+        <a:xfrm>
+          <a:off x="0" y="0"/>
+          <a:ext cx="0" cy="0"/>
+          <a:chOff x="0" y="0"/>
+          <a:chExt cx="0" cy="0"/>
+        </a:xfrm>
+      </p:grpSpPr>
+      <p:sp>
+        <p:nvSpPr>
+          <p:cNvPr id="97" name="Shape 97"/>
+          <p:cNvSpPr>
+            <a:spLocks noGrp="1" noRot="1" noChangeAspect="1"/>
+          </p:cNvSpPr>
+          <p:nvPr>
+            <p:ph type="sldImg" idx="2"/>
+          </p:nvPr>
+        </p:nvSpPr>
+        <p:spPr>
+          <a:xfrm>
+            <a:off x="381000" y="685800"/>
+            <a:ext cx="6096000" cy="3429000"/>
+          </a:xfrm>
+          <a:custGeom>
+            <a:avLst/>
+            <a:gdLst/>
+            <a:ahLst/>
+            <a:cxnLst/>
+            <a:rect l="0" t="0" r="0" b="0"/>
+            <a:pathLst>
+              <a:path w="120000" h="120000" extrusionOk="0">
+                <a:moveTo>
+                  <a:pt x="0" y="0"/>
+                </a:moveTo>
+                <a:lnTo>
+                  <a:pt x="120000" y="0"/>
+                </a:lnTo>
+                <a:lnTo>
+                  <a:pt x="120000" y="120000"/>
+                </a:lnTo>
+                <a:lnTo>
+                  <a:pt x="0" y="120000"/>
+                </a:lnTo>
+                <a:close/>
+              </a:path>
+            </a:pathLst>
+          </a:custGeom>
+          <a:noFill/>
+          <a:ln w="12700" cap="flat" cmpd="sng">
+            <a:solidFill>
+              <a:srgbClr val="000000"/>
+            </a:solidFill>
+            <a:prstDash val="solid"/>
+            <a:round/>
+            <a:headEnd type="none" w="med" len="med"/>
+            <a:tailEnd type="none" w="med" len="med"/>
+          </a:ln>
+        </p:spPr>
+      </p:sp>
+      <p:sp>
+        <p:nvSpPr>
+          <p:cNvPr id="98" name="Shape 98"/>
+          <p:cNvSpPr txBox="1">
+            <a:spLocks noGrp="1"/>
+          </p:cNvSpPr>
+          <p:nvPr>
+            <p:ph type="body" idx="1"/>
+          </p:nvPr>
+        </p:nvSpPr>
+        <p:spPr>
+          <a:xfrm>
+            <a:off x="685800" y="4343400"/>
+            <a:ext cx="5486399" cy="4114800"/>
+          </a:xfrm>
+          <a:prstGeom prst="rect">
+            <a:avLst/>
+          </a:prstGeom>
+          <a:noFill/>
+          <a:ln>
+            <a:noFill/>
+          </a:ln>
+        </p:spPr>
+        <p:txBody>
+          <a:bodyPr lIns="91425" tIns="45700" rIns="91425" bIns="45700" anchor="t" anchorCtr="0">
+            <a:noAutofit/>
+          </a:bodyPr>
+          <a:lstStyle/>
+          <a:p>
+            <a:pPr marL="0" marR="0" lvl="0" indent="0" algn="l" rtl="0">
+              <a:spcBef>
+                <a:spcPts val="0"/>
+              </a:spcBef>
+              <a:buSzPct val="25000"/>
+              <a:buNone/>
+            </a:pPr>
+            <a:r>
+              <a:rPr lang="en-US" sz="1200" b="0" i="0" u="none" strike="noStrike" cap="none">
+                <a:solidFill>
+                  <a:schemeClr val="dk1"/>
+                </a:solidFill>
+                <a:latin typeface="Calibri"/>
+                <a:ea typeface="Calibri"/>
+                <a:cs typeface="Calibri"/>
+                <a:sym typeface="Calibri"/>
+              </a:rPr>
+              <a:t>Alternative hypothesis is usually what you’re trying to prove.</a:t>
+            </a:r>
+          </a:p>
+        </p:txBody>
+      </p:sp>
+      <p:sp>
+        <p:nvSpPr>
+          <p:cNvPr id="99" name="Shape 99"/>
+          <p:cNvSpPr txBox="1">
+            <a:spLocks noGrp="1"/>
+          </p:cNvSpPr>
+          <p:nvPr>
+            <p:ph type="sldNum" idx="12"/>
+          </p:nvPr>
+        </p:nvSpPr>
+        <p:spPr>
+          <a:xfrm>
+            <a:off x="3884612" y="8685213"/>
+            <a:ext cx="2971799" cy="457200"/>
+          </a:xfrm>
+          <a:prstGeom prst="rect">
+            <a:avLst/>
+          </a:prstGeom>
+          <a:noFill/>
+          <a:ln>
+            <a:noFill/>
+          </a:ln>
+        </p:spPr>
+        <p:txBody>
+          <a:bodyPr lIns="91425" tIns="45700" rIns="91425" bIns="45700" anchor="b" anchorCtr="0">
+            <a:noAutofit/>
+          </a:bodyPr>
+          <a:lstStyle/>
+          <a:p>
+            <a:pPr marL="0" marR="0" lvl="0" indent="0" algn="r" rtl="0">
+              <a:spcBef>
+                <a:spcPts val="0"/>
+              </a:spcBef>
+              <a:buSzPct val="25000"/>
+              <a:buNone/>
+            </a:pPr>
+            <a:fld id="{00000000-1234-1234-1234-123412341234}" type="slidenum">
+              <a:rPr lang="en-US" sz="1200">
+                <a:solidFill>
+                  <a:schemeClr val="dk1"/>
+                </a:solidFill>
+                <a:latin typeface="Calibri"/>
+                <a:ea typeface="Calibri"/>
+                <a:cs typeface="Calibri"/>
+                <a:sym typeface="Calibri"/>
+              </a:rPr>
+              <a:t>14</a:t>
+            </a:fld>
+            <a:endParaRPr lang="en-US" sz="1200">
+              <a:solidFill>
+                <a:schemeClr val="dk1"/>
+              </a:solidFill>
+              <a:latin typeface="Calibri"/>
+              <a:ea typeface="Calibri"/>
+              <a:cs typeface="Calibri"/>
+              <a:sym typeface="Calibri"/>
+            </a:endParaRPr>
+          </a:p>
+        </p:txBody>
+      </p:sp>
+    </p:spTree>
+    <p:extLst>
+      <p:ext uri="{BB962C8B-B14F-4D97-AF65-F5344CB8AC3E}">
+        <p14:creationId xmlns:p14="http://schemas.microsoft.com/office/powerpoint/2010/main" val="2726306763"/>
+      </p:ext>
+    </p:extLst>
+  </p:cSld>
+  <p:clrMapOvr>
+    <a:masterClrMapping/>
+  </p:clrMapOvr>
+</p:notes>
+</file>
+
 <file path=ppt/notesSlides/notesSlide2.xml><?xml version="1.0" encoding="utf-8"?>
 <p:notes xmlns:a="http://schemas.openxmlformats.org/drawingml/2006/main" xmlns:r="http://schemas.openxmlformats.org/officeDocument/2006/relationships" xmlns:p="http://schemas.openxmlformats.org/presentationml/2006/main" showMasterSp="0" showMasterPhAnim="0">
   <p:cSld>
@@ -2965,7 +3158,7 @@
           <a:p>
             <a:fld id="{93C8B963-0F36-48FC-991E-AA63861DA924}" type="datetimeFigureOut">
               <a:rPr lang="en-US" smtClean="0"/>
-              <a:t>10/14/2021</a:t>
+              <a:t>10/19/2021</a:t>
             </a:fld>
             <a:endParaRPr lang="en-US"/>
           </a:p>
@@ -3263,7 +3456,7 @@
           <a:p>
             <a:fld id="{93C8B963-0F36-48FC-991E-AA63861DA924}" type="datetimeFigureOut">
               <a:rPr lang="en-US" smtClean="0"/>
-              <a:t>10/14/2021</a:t>
+              <a:t>10/19/2021</a:t>
             </a:fld>
             <a:endParaRPr lang="en-US"/>
           </a:p>
@@ -3455,7 +3648,7 @@
           <a:p>
             <a:fld id="{93C8B963-0F36-48FC-991E-AA63861DA924}" type="datetimeFigureOut">
               <a:rPr lang="en-US" smtClean="0"/>
-              <a:t>10/14/2021</a:t>
+              <a:t>10/19/2021</a:t>
             </a:fld>
             <a:endParaRPr lang="en-US"/>
           </a:p>
@@ -3716,7 +3909,7 @@
           <a:p>
             <a:fld id="{93C8B963-0F36-48FC-991E-AA63861DA924}" type="datetimeFigureOut">
               <a:rPr lang="en-US" smtClean="0"/>
-              <a:t>10/14/2021</a:t>
+              <a:t>10/19/2021</a:t>
             </a:fld>
             <a:endParaRPr lang="en-US"/>
           </a:p>
@@ -4140,7 +4333,7 @@
           <a:p>
             <a:fld id="{93C8B963-0F36-48FC-991E-AA63861DA924}" type="datetimeFigureOut">
               <a:rPr lang="en-US" smtClean="0"/>
-              <a:t>10/14/2021</a:t>
+              <a:t>10/19/2021</a:t>
             </a:fld>
             <a:endParaRPr lang="en-US"/>
           </a:p>
@@ -4677,7 +4870,7 @@
           <a:p>
             <a:fld id="{93C8B963-0F36-48FC-991E-AA63861DA924}" type="datetimeFigureOut">
               <a:rPr lang="en-US" smtClean="0"/>
-              <a:t>10/14/2021</a:t>
+              <a:t>10/19/2021</a:t>
             </a:fld>
             <a:endParaRPr lang="en-US"/>
           </a:p>
@@ -5541,7 +5734,7 @@
           <a:p>
             <a:fld id="{93C8B963-0F36-48FC-991E-AA63861DA924}" type="datetimeFigureOut">
               <a:rPr lang="en-US" smtClean="0"/>
-              <a:t>10/14/2021</a:t>
+              <a:t>10/19/2021</a:t>
             </a:fld>
             <a:endParaRPr lang="en-US"/>
           </a:p>
@@ -5711,7 +5904,7 @@
           <a:p>
             <a:fld id="{93C8B963-0F36-48FC-991E-AA63861DA924}" type="datetimeFigureOut">
               <a:rPr lang="en-US" smtClean="0"/>
-              <a:t>10/14/2021</a:t>
+              <a:t>10/19/2021</a:t>
             </a:fld>
             <a:endParaRPr lang="en-US"/>
           </a:p>
@@ -5895,7 +6088,7 @@
           <a:p>
             <a:fld id="{93C8B963-0F36-48FC-991E-AA63861DA924}" type="datetimeFigureOut">
               <a:rPr lang="en-US" smtClean="0"/>
-              <a:t>10/14/2021</a:t>
+              <a:t>10/19/2021</a:t>
             </a:fld>
             <a:endParaRPr lang="en-US"/>
           </a:p>
@@ -6065,7 +6258,7 @@
           <a:p>
             <a:fld id="{93C8B963-0F36-48FC-991E-AA63861DA924}" type="datetimeFigureOut">
               <a:rPr lang="en-US" smtClean="0"/>
-              <a:t>10/14/2021</a:t>
+              <a:t>10/19/2021</a:t>
             </a:fld>
             <a:endParaRPr lang="en-US"/>
           </a:p>
@@ -6309,7 +6502,7 @@
           <a:p>
             <a:fld id="{93C8B963-0F36-48FC-991E-AA63861DA924}" type="datetimeFigureOut">
               <a:rPr lang="en-US" smtClean="0"/>
-              <a:t>10/14/2021</a:t>
+              <a:t>10/19/2021</a:t>
             </a:fld>
             <a:endParaRPr lang="en-US"/>
           </a:p>
@@ -6545,7 +6738,7 @@
           <a:p>
             <a:fld id="{93C8B963-0F36-48FC-991E-AA63861DA924}" type="datetimeFigureOut">
               <a:rPr lang="en-US" smtClean="0"/>
-              <a:t>10/14/2021</a:t>
+              <a:t>10/19/2021</a:t>
             </a:fld>
             <a:endParaRPr lang="en-US"/>
           </a:p>
@@ -7011,7 +7204,7 @@
           <a:p>
             <a:fld id="{93C8B963-0F36-48FC-991E-AA63861DA924}" type="datetimeFigureOut">
               <a:rPr lang="en-US" smtClean="0"/>
-              <a:t>10/14/2021</a:t>
+              <a:t>10/19/2021</a:t>
             </a:fld>
             <a:endParaRPr lang="en-US"/>
           </a:p>
@@ -7129,7 +7322,7 @@
           <a:p>
             <a:fld id="{93C8B963-0F36-48FC-991E-AA63861DA924}" type="datetimeFigureOut">
               <a:rPr lang="en-US" smtClean="0"/>
-              <a:t>10/14/2021</a:t>
+              <a:t>10/19/2021</a:t>
             </a:fld>
             <a:endParaRPr lang="en-US"/>
           </a:p>
@@ -7224,7 +7417,7 @@
           <a:p>
             <a:fld id="{93C8B963-0F36-48FC-991E-AA63861DA924}" type="datetimeFigureOut">
               <a:rPr lang="en-US" smtClean="0"/>
-              <a:t>10/14/2021</a:t>
+              <a:t>10/19/2021</a:t>
             </a:fld>
             <a:endParaRPr lang="en-US"/>
           </a:p>
@@ -7479,7 +7672,7 @@
           <a:p>
             <a:fld id="{93C8B963-0F36-48FC-991E-AA63861DA924}" type="datetimeFigureOut">
               <a:rPr lang="en-US" smtClean="0"/>
-              <a:t>10/14/2021</a:t>
+              <a:t>10/19/2021</a:t>
             </a:fld>
             <a:endParaRPr lang="en-US"/>
           </a:p>
@@ -7779,7 +7972,7 @@
           <a:p>
             <a:fld id="{93C8B963-0F36-48FC-991E-AA63861DA924}" type="datetimeFigureOut">
               <a:rPr lang="en-US" smtClean="0"/>
-              <a:t>10/14/2021</a:t>
+              <a:t>10/19/2021</a:t>
             </a:fld>
             <a:endParaRPr lang="en-US"/>
           </a:p>
@@ -8013,7 +8206,7 @@
           <a:p>
             <a:fld id="{93C8B963-0F36-48FC-991E-AA63861DA924}" type="datetimeFigureOut">
               <a:rPr lang="en-US" smtClean="0"/>
-              <a:t>10/14/2021</a:t>
+              <a:t>10/19/2021</a:t>
             </a:fld>
             <a:endParaRPr lang="en-US"/>
           </a:p>
@@ -13061,7 +13254,13 @@
             </a:extLst>
           </p:cNvPr>
           <p:cNvGraphicFramePr/>
-          <p:nvPr/>
+          <p:nvPr>
+            <p:extLst>
+              <p:ext uri="{D42A27DB-BD31-4B8C-83A1-F6EECF244321}">
+                <p14:modId xmlns:p14="http://schemas.microsoft.com/office/powerpoint/2010/main" val="1520505235"/>
+              </p:ext>
+            </p:extLst>
+          </p:nvPr>
         </p:nvGraphicFramePr>
         <p:xfrm>
           <a:off x="450078" y="902211"/>
@@ -13734,7 +13933,7 @@
                         <a:buNone/>
                       </a:pPr>
                       <a:r>
-                        <a:rPr lang="en-US" sz="2400" u="none" strike="noStrike" cap="none"/>
+                        <a:rPr lang="en-US" sz="2400" u="none" strike="noStrike" cap="none" dirty="0"/>
                         <a:t>Lions</a:t>
                       </a:r>
                     </a:p>
@@ -13773,7 +13972,7 @@
                           <a:cs typeface="Times New Roman"/>
                           <a:sym typeface="Times New Roman"/>
                         </a:rPr>
-                        <a:t>=.47 * 43</a:t>
+                        <a:t>O = 15</a:t>
                       </a:r>
                     </a:p>
                     <a:p>
@@ -13804,7 +14003,7 @@
                           <a:cs typeface="Times New Roman"/>
                           <a:sym typeface="Times New Roman"/>
                         </a:rPr>
-                        <a:t>= 20.2</a:t>
+                        <a:t>E = 20.2</a:t>
                       </a:r>
                     </a:p>
                   </a:txBody>
@@ -13842,7 +14041,7 @@
                           <a:cs typeface="Times New Roman"/>
                           <a:sym typeface="Times New Roman"/>
                         </a:rPr>
-                        <a:t>=.41 * 43 </a:t>
+                        <a:t>O = 25</a:t>
                       </a:r>
                     </a:p>
                     <a:p>
@@ -13873,7 +14072,7 @@
                           <a:cs typeface="Times New Roman"/>
                           <a:sym typeface="Times New Roman"/>
                         </a:rPr>
-                        <a:t>= 17.7</a:t>
+                        <a:t>E = 17.7</a:t>
                       </a:r>
                     </a:p>
                   </a:txBody>
@@ -13911,7 +14110,7 @@
                           <a:cs typeface="Times New Roman"/>
                           <a:sym typeface="Times New Roman"/>
                         </a:rPr>
-                        <a:t>=.12 * 43 </a:t>
+                        <a:t>O = 3</a:t>
                       </a:r>
                     </a:p>
                     <a:p>
@@ -13942,7 +14141,7 @@
                           <a:cs typeface="Times New Roman"/>
                           <a:sym typeface="Times New Roman"/>
                         </a:rPr>
-                        <a:t>= 5.1</a:t>
+                        <a:t>E = 5.1</a:t>
                       </a:r>
                     </a:p>
                   </a:txBody>
@@ -14193,7 +14392,7 @@
                           <a:cs typeface="Times New Roman"/>
                           <a:sym typeface="Times New Roman"/>
                         </a:rPr>
-                        <a:t>=.47 * 42</a:t>
+                        <a:t>O = 25</a:t>
                       </a:r>
                     </a:p>
                     <a:p>
@@ -14224,7 +14423,7 @@
                           <a:cs typeface="Times New Roman"/>
                           <a:sym typeface="Times New Roman"/>
                         </a:rPr>
-                        <a:t>= 19.8</a:t>
+                        <a:t>E = 19.8</a:t>
                       </a:r>
                     </a:p>
                   </a:txBody>
@@ -14253,7 +14452,7 @@
                         <a:buNone/>
                       </a:pPr>
                       <a:r>
-                        <a:rPr lang="en-US" sz="2800" b="0" i="0" u="none" strike="noStrike" cap="none" dirty="0">
+                        <a:rPr lang="en-US" sz="2800" b="0" i="0" u="none" strike="noStrike" cap="none">
                           <a:solidFill>
                             <a:schemeClr val="dk1"/>
                           </a:solidFill>
@@ -14262,7 +14461,7 @@
                           <a:cs typeface="Times New Roman"/>
                           <a:sym typeface="Times New Roman"/>
                         </a:rPr>
-                        <a:t>=.41 * 42 </a:t>
+                        <a:t>O = 10</a:t>
                       </a:r>
                     </a:p>
                     <a:p>
@@ -14284,7 +14483,7 @@
                         <a:buNone/>
                       </a:pPr>
                       <a:r>
-                        <a:rPr lang="en-US" sz="2800" b="0" i="0" u="none" strike="noStrike" cap="none" dirty="0">
+                        <a:rPr lang="en-US" sz="2800" b="0" i="0" u="none" strike="noStrike" cap="none">
                           <a:solidFill>
                             <a:schemeClr val="dk1"/>
                           </a:solidFill>
@@ -14293,7 +14492,7 @@
                           <a:cs typeface="Times New Roman"/>
                           <a:sym typeface="Times New Roman"/>
                         </a:rPr>
-                        <a:t>= 17.3</a:t>
+                        <a:t>E = 17.3</a:t>
                       </a:r>
                     </a:p>
                   </a:txBody>
@@ -14322,7 +14521,7 @@
                         <a:buNone/>
                       </a:pPr>
                       <a:r>
-                        <a:rPr lang="en-US" sz="2800" b="0" i="0" u="none" strike="noStrike" cap="none">
+                        <a:rPr lang="en-US" sz="2800" b="0" i="0" u="none" strike="noStrike" cap="none" dirty="0">
                           <a:solidFill>
                             <a:schemeClr val="dk1"/>
                           </a:solidFill>
@@ -14331,7 +14530,7 @@
                           <a:cs typeface="Times New Roman"/>
                           <a:sym typeface="Times New Roman"/>
                         </a:rPr>
-                        <a:t>=.12 * 42 </a:t>
+                        <a:t>O = 7</a:t>
                       </a:r>
                     </a:p>
                     <a:p>
@@ -14353,7 +14552,7 @@
                         <a:buNone/>
                       </a:pPr>
                       <a:r>
-                        <a:rPr lang="en-US" sz="2800" b="0" i="0" u="none" strike="noStrike" cap="none">
+                        <a:rPr lang="en-US" sz="2800" b="0" i="0" u="none" strike="noStrike" cap="none" dirty="0">
                           <a:solidFill>
                             <a:schemeClr val="dk1"/>
                           </a:solidFill>
@@ -14362,7 +14561,7 @@
                           <a:cs typeface="Times New Roman"/>
                           <a:sym typeface="Times New Roman"/>
                         </a:rPr>
-                        <a:t>= 4.9</a:t>
+                        <a:t>E = 4.9</a:t>
                       </a:r>
                     </a:p>
                   </a:txBody>
@@ -16090,6 +16289,1075 @@
     <p:extLst>
       <p:ext uri="{BB962C8B-B14F-4D97-AF65-F5344CB8AC3E}">
         <p14:creationId xmlns:p14="http://schemas.microsoft.com/office/powerpoint/2010/main" val="2395103667"/>
+      </p:ext>
+    </p:extLst>
+  </p:cSld>
+  <p:clrMapOvr>
+    <a:masterClrMapping/>
+  </p:clrMapOvr>
+</p:sld>
+</file>
+
+<file path=ppt/slides/slide14.xml><?xml version="1.0" encoding="utf-8"?>
+<p:sld xmlns:a="http://schemas.openxmlformats.org/drawingml/2006/main" xmlns:r="http://schemas.openxmlformats.org/officeDocument/2006/relationships" xmlns:p="http://schemas.openxmlformats.org/presentationml/2006/main">
+  <p:cSld>
+    <p:spTree>
+      <p:nvGrpSpPr>
+        <p:cNvPr id="1" name="Shape 100"/>
+        <p:cNvGrpSpPr/>
+        <p:nvPr/>
+      </p:nvGrpSpPr>
+      <p:grpSpPr>
+        <a:xfrm>
+          <a:off x="0" y="0"/>
+          <a:ext cx="0" cy="0"/>
+          <a:chOff x="0" y="0"/>
+          <a:chExt cx="0" cy="0"/>
+        </a:xfrm>
+      </p:grpSpPr>
+      <p:sp>
+        <p:nvSpPr>
+          <p:cNvPr id="5" name="Shape 171">
+            <a:extLst>
+              <a:ext uri="{FF2B5EF4-FFF2-40B4-BE49-F238E27FC236}">
+                <a16:creationId xmlns:a16="http://schemas.microsoft.com/office/drawing/2014/main" id="{8A3B6F64-11C4-455A-B76C-CD664D9487E4}"/>
+              </a:ext>
+            </a:extLst>
+          </p:cNvPr>
+          <p:cNvSpPr txBox="1"/>
+          <p:nvPr/>
+        </p:nvSpPr>
+        <p:spPr>
+          <a:xfrm>
+            <a:off x="220766" y="195129"/>
+            <a:ext cx="8229600" cy="646331"/>
+          </a:xfrm>
+          <a:prstGeom prst="rect">
+            <a:avLst/>
+          </a:prstGeom>
+          <a:noFill/>
+          <a:ln>
+            <a:noFill/>
+          </a:ln>
+        </p:spPr>
+        <p:txBody>
+          <a:bodyPr lIns="91425" tIns="45700" rIns="91425" bIns="45700" anchor="t" anchorCtr="0">
+            <a:noAutofit/>
+          </a:bodyPr>
+          <a:lstStyle/>
+          <a:p>
+            <a:pPr marL="0" marR="0" lvl="0" indent="0" algn="l" rtl="0">
+              <a:spcBef>
+                <a:spcPts val="0"/>
+              </a:spcBef>
+              <a:buSzPct val="25000"/>
+              <a:buNone/>
+            </a:pPr>
+            <a:r>
+              <a:rPr lang="en-US" sz="3600" b="1" dirty="0">
+                <a:ea typeface="Gill Sans MT"/>
+                <a:cs typeface="Gill Sans MT"/>
+                <a:sym typeface="Gill Sans MT"/>
+              </a:rPr>
+              <a:t>Writing up results</a:t>
+            </a:r>
+          </a:p>
+        </p:txBody>
+      </p:sp>
+      <p:sp>
+        <p:nvSpPr>
+          <p:cNvPr id="9" name="TextBox 8">
+            <a:extLst>
+              <a:ext uri="{FF2B5EF4-FFF2-40B4-BE49-F238E27FC236}">
+                <a16:creationId xmlns:a16="http://schemas.microsoft.com/office/drawing/2014/main" id="{F1E0FEC4-1E70-4ADE-AC9A-9421713F282E}"/>
+              </a:ext>
+            </a:extLst>
+          </p:cNvPr>
+          <p:cNvSpPr txBox="1"/>
+          <p:nvPr/>
+        </p:nvSpPr>
+        <p:spPr>
+          <a:xfrm>
+            <a:off x="510609" y="841460"/>
+            <a:ext cx="11145854" cy="2677656"/>
+          </a:xfrm>
+          <a:prstGeom prst="rect">
+            <a:avLst/>
+          </a:prstGeom>
+          <a:noFill/>
+        </p:spPr>
+        <p:txBody>
+          <a:bodyPr wrap="square">
+            <a:spAutoFit/>
+          </a:bodyPr>
+          <a:lstStyle/>
+          <a:p>
+            <a:pPr marL="0" marR="0">
+              <a:spcBef>
+                <a:spcPts val="0"/>
+              </a:spcBef>
+              <a:spcAft>
+                <a:spcPts val="0"/>
+              </a:spcAft>
+            </a:pPr>
+            <a:r>
+              <a:rPr lang="en-US" sz="2400" dirty="0">
+                <a:ea typeface="Calibri" panose="020F0502020204030204" pitchFamily="34" charset="0"/>
+                <a:cs typeface="Arial" panose="020B0604020202020204" pitchFamily="34" charset="0"/>
+              </a:rPr>
+              <a:t>Results of statistical analysis generally focus on direction, magnitude, and significance.</a:t>
+            </a:r>
+          </a:p>
+          <a:p>
+            <a:pPr marL="0" marR="0">
+              <a:spcBef>
+                <a:spcPts val="0"/>
+              </a:spcBef>
+              <a:spcAft>
+                <a:spcPts val="0"/>
+              </a:spcAft>
+            </a:pPr>
+            <a:endParaRPr lang="en-US" sz="2400" dirty="0">
+              <a:effectLst/>
+              <a:ea typeface="Calibri" panose="020F0502020204030204" pitchFamily="34" charset="0"/>
+              <a:cs typeface="Arial" panose="020B0604020202020204" pitchFamily="34" charset="0"/>
+            </a:endParaRPr>
+          </a:p>
+          <a:p>
+            <a:pPr marL="0" marR="0">
+              <a:spcBef>
+                <a:spcPts val="0"/>
+              </a:spcBef>
+              <a:spcAft>
+                <a:spcPts val="0"/>
+              </a:spcAft>
+            </a:pPr>
+            <a:r>
+              <a:rPr lang="en-US" sz="2400" dirty="0">
+                <a:ea typeface="Calibri" panose="020F0502020204030204" pitchFamily="34" charset="0"/>
+                <a:cs typeface="Arial" panose="020B0604020202020204" pitchFamily="34" charset="0"/>
+              </a:rPr>
+              <a:t>For a chi-square test, calculate the percentage of each income group in each transit type. Then write a paragraph that summarizes </a:t>
+            </a:r>
+            <a:r>
+              <a:rPr lang="en-US" sz="2400">
+                <a:ea typeface="Calibri" panose="020F0502020204030204" pitchFamily="34" charset="0"/>
+                <a:cs typeface="Arial" panose="020B0604020202020204" pitchFamily="34" charset="0"/>
+              </a:rPr>
+              <a:t>your findings. What </a:t>
+            </a:r>
+            <a:r>
+              <a:rPr lang="en-US" sz="2400" dirty="0">
+                <a:ea typeface="Calibri" panose="020F0502020204030204" pitchFamily="34" charset="0"/>
+                <a:cs typeface="Arial" panose="020B0604020202020204" pitchFamily="34" charset="0"/>
+              </a:rPr>
+              <a:t>pattern do you see of higher or lower rates? What is the magnitude of the key differences? Is it statistically significant? </a:t>
+            </a:r>
+            <a:endParaRPr lang="en-US" sz="2000" dirty="0">
+              <a:effectLst/>
+              <a:ea typeface="Calibri" panose="020F0502020204030204" pitchFamily="34" charset="0"/>
+              <a:cs typeface="Arial" panose="020B0604020202020204" pitchFamily="34" charset="0"/>
+            </a:endParaRPr>
+          </a:p>
+        </p:txBody>
+      </p:sp>
+      <p:graphicFrame>
+        <p:nvGraphicFramePr>
+          <p:cNvPr id="8" name="Table 7">
+            <a:extLst>
+              <a:ext uri="{FF2B5EF4-FFF2-40B4-BE49-F238E27FC236}">
+                <a16:creationId xmlns:a16="http://schemas.microsoft.com/office/drawing/2014/main" id="{BD534626-7365-46E3-85DD-961D2AEA0843}"/>
+              </a:ext>
+            </a:extLst>
+          </p:cNvPr>
+          <p:cNvGraphicFramePr>
+            <a:graphicFrameLocks noGrp="1"/>
+          </p:cNvGraphicFramePr>
+          <p:nvPr>
+            <p:extLst>
+              <p:ext uri="{D42A27DB-BD31-4B8C-83A1-F6EECF244321}">
+                <p14:modId xmlns:p14="http://schemas.microsoft.com/office/powerpoint/2010/main" val="882966785"/>
+              </p:ext>
+            </p:extLst>
+          </p:nvPr>
+        </p:nvGraphicFramePr>
+        <p:xfrm>
+          <a:off x="510609" y="3968025"/>
+          <a:ext cx="9223050" cy="1973011"/>
+        </p:xfrm>
+        <a:graphic>
+          <a:graphicData uri="http://schemas.openxmlformats.org/drawingml/2006/table">
+            <a:tbl>
+              <a:tblPr firstRow="1" firstCol="1" bandRow="1">
+                <a:tableStyleId>{5C22544A-7EE6-4342-B048-85BDC9FD1C3A}</a:tableStyleId>
+              </a:tblPr>
+              <a:tblGrid>
+                <a:gridCol w="3102624">
+                  <a:extLst>
+                    <a:ext uri="{9D8B030D-6E8A-4147-A177-3AD203B41FA5}">
+                      <a16:colId xmlns:a16="http://schemas.microsoft.com/office/drawing/2014/main" val="927456705"/>
+                    </a:ext>
+                  </a:extLst>
+                </a:gridCol>
+                <a:gridCol w="1205335">
+                  <a:extLst>
+                    <a:ext uri="{9D8B030D-6E8A-4147-A177-3AD203B41FA5}">
+                      <a16:colId xmlns:a16="http://schemas.microsoft.com/office/drawing/2014/main" val="2659888996"/>
+                    </a:ext>
+                  </a:extLst>
+                </a:gridCol>
+                <a:gridCol w="1607115">
+                  <a:extLst>
+                    <a:ext uri="{9D8B030D-6E8A-4147-A177-3AD203B41FA5}">
+                      <a16:colId xmlns:a16="http://schemas.microsoft.com/office/drawing/2014/main" val="2190423655"/>
+                    </a:ext>
+                  </a:extLst>
+                </a:gridCol>
+                <a:gridCol w="1735550">
+                  <a:extLst>
+                    <a:ext uri="{9D8B030D-6E8A-4147-A177-3AD203B41FA5}">
+                      <a16:colId xmlns:a16="http://schemas.microsoft.com/office/drawing/2014/main" val="280440688"/>
+                    </a:ext>
+                  </a:extLst>
+                </a:gridCol>
+                <a:gridCol w="1572426">
+                  <a:extLst>
+                    <a:ext uri="{9D8B030D-6E8A-4147-A177-3AD203B41FA5}">
+                      <a16:colId xmlns:a16="http://schemas.microsoft.com/office/drawing/2014/main" val="736587793"/>
+                    </a:ext>
+                  </a:extLst>
+                </a:gridCol>
+              </a:tblGrid>
+              <a:tr h="190500">
+                <a:tc>
+                  <a:txBody>
+                    <a:bodyPr/>
+                    <a:lstStyle/>
+                    <a:p>
+                      <a:pPr>
+                        <a:lnSpc>
+                          <a:spcPct val="115000"/>
+                        </a:lnSpc>
+                      </a:pPr>
+                      <a:endParaRPr lang="en-US" sz="2400" dirty="0">
+                        <a:effectLst/>
+                        <a:latin typeface="Calibri" panose="020F0502020204030204" pitchFamily="34" charset="0"/>
+                        <a:cs typeface="Arial" panose="020B0604020202020204" pitchFamily="34" charset="0"/>
+                      </a:endParaRPr>
+                    </a:p>
+                  </a:txBody>
+                  <a:tcPr marL="68580" marR="68580" marT="0" marB="0" anchor="b"/>
+                </a:tc>
+                <a:tc>
+                  <a:txBody>
+                    <a:bodyPr/>
+                    <a:lstStyle/>
+                    <a:p>
+                      <a:pPr marL="0" marR="0" algn="ctr">
+                        <a:lnSpc>
+                          <a:spcPct val="115000"/>
+                        </a:lnSpc>
+                        <a:spcBef>
+                          <a:spcPts val="0"/>
+                        </a:spcBef>
+                        <a:spcAft>
+                          <a:spcPts val="0"/>
+                        </a:spcAft>
+                      </a:pPr>
+                      <a:r>
+                        <a:rPr lang="en-US" sz="2400">
+                          <a:effectLst/>
+                        </a:rPr>
+                        <a:t>Car</a:t>
+                      </a:r>
+                      <a:endParaRPr lang="en-US" sz="2400">
+                        <a:effectLst/>
+                        <a:latin typeface="Calibri" panose="020F0502020204030204" pitchFamily="34" charset="0"/>
+                        <a:ea typeface="Calibri" panose="020F0502020204030204" pitchFamily="34" charset="0"/>
+                        <a:cs typeface="Arial" panose="020B0604020202020204" pitchFamily="34" charset="0"/>
+                      </a:endParaRPr>
+                    </a:p>
+                  </a:txBody>
+                  <a:tcPr marL="68580" marR="68580" marT="0" marB="0" anchor="b"/>
+                </a:tc>
+                <a:tc>
+                  <a:txBody>
+                    <a:bodyPr/>
+                    <a:lstStyle/>
+                    <a:p>
+                      <a:pPr marL="0" marR="0" algn="ctr">
+                        <a:lnSpc>
+                          <a:spcPct val="115000"/>
+                        </a:lnSpc>
+                        <a:spcBef>
+                          <a:spcPts val="0"/>
+                        </a:spcBef>
+                        <a:spcAft>
+                          <a:spcPts val="0"/>
+                        </a:spcAft>
+                      </a:pPr>
+                      <a:r>
+                        <a:rPr lang="en-US" sz="2400">
+                          <a:effectLst/>
+                        </a:rPr>
+                        <a:t>Transit</a:t>
+                      </a:r>
+                      <a:endParaRPr lang="en-US" sz="2400">
+                        <a:effectLst/>
+                        <a:latin typeface="Calibri" panose="020F0502020204030204" pitchFamily="34" charset="0"/>
+                        <a:ea typeface="Calibri" panose="020F0502020204030204" pitchFamily="34" charset="0"/>
+                        <a:cs typeface="Arial" panose="020B0604020202020204" pitchFamily="34" charset="0"/>
+                      </a:endParaRPr>
+                    </a:p>
+                  </a:txBody>
+                  <a:tcPr marL="68580" marR="68580" marT="0" marB="0" anchor="b"/>
+                </a:tc>
+                <a:tc>
+                  <a:txBody>
+                    <a:bodyPr/>
+                    <a:lstStyle/>
+                    <a:p>
+                      <a:pPr marL="0" marR="0" algn="ctr">
+                        <a:lnSpc>
+                          <a:spcPct val="115000"/>
+                        </a:lnSpc>
+                        <a:spcBef>
+                          <a:spcPts val="0"/>
+                        </a:spcBef>
+                        <a:spcAft>
+                          <a:spcPts val="0"/>
+                        </a:spcAft>
+                      </a:pPr>
+                      <a:r>
+                        <a:rPr lang="en-US" sz="2400">
+                          <a:effectLst/>
+                        </a:rPr>
+                        <a:t>Walk/bike</a:t>
+                      </a:r>
+                      <a:endParaRPr lang="en-US" sz="2400">
+                        <a:effectLst/>
+                        <a:latin typeface="Calibri" panose="020F0502020204030204" pitchFamily="34" charset="0"/>
+                        <a:ea typeface="Calibri" panose="020F0502020204030204" pitchFamily="34" charset="0"/>
+                        <a:cs typeface="Arial" panose="020B0604020202020204" pitchFamily="34" charset="0"/>
+                      </a:endParaRPr>
+                    </a:p>
+                  </a:txBody>
+                  <a:tcPr marL="68580" marR="68580" marT="0" marB="0" anchor="b"/>
+                </a:tc>
+                <a:tc>
+                  <a:txBody>
+                    <a:bodyPr/>
+                    <a:lstStyle/>
+                    <a:p>
+                      <a:pPr marL="0" marR="0" algn="ctr">
+                        <a:lnSpc>
+                          <a:spcPct val="115000"/>
+                        </a:lnSpc>
+                        <a:spcBef>
+                          <a:spcPts val="0"/>
+                        </a:spcBef>
+                        <a:spcAft>
+                          <a:spcPts val="0"/>
+                        </a:spcAft>
+                      </a:pPr>
+                      <a:r>
+                        <a:rPr lang="en-US" sz="2400">
+                          <a:effectLst/>
+                        </a:rPr>
+                        <a:t>Total</a:t>
+                      </a:r>
+                      <a:endParaRPr lang="en-US" sz="2400">
+                        <a:effectLst/>
+                        <a:latin typeface="Calibri" panose="020F0502020204030204" pitchFamily="34" charset="0"/>
+                        <a:ea typeface="Calibri" panose="020F0502020204030204" pitchFamily="34" charset="0"/>
+                        <a:cs typeface="Arial" panose="020B0604020202020204" pitchFamily="34" charset="0"/>
+                      </a:endParaRPr>
+                    </a:p>
+                  </a:txBody>
+                  <a:tcPr marL="68580" marR="68580" marT="0" marB="0" anchor="b"/>
+                </a:tc>
+                <a:extLst>
+                  <a:ext uri="{0D108BD9-81ED-4DB2-BD59-A6C34878D82A}">
+                    <a16:rowId xmlns:a16="http://schemas.microsoft.com/office/drawing/2014/main" val="1490857150"/>
+                  </a:ext>
+                </a:extLst>
+              </a:tr>
+              <a:tr h="190500">
+                <a:tc>
+                  <a:txBody>
+                    <a:bodyPr/>
+                    <a:lstStyle/>
+                    <a:p>
+                      <a:pPr marL="0" marR="0">
+                        <a:lnSpc>
+                          <a:spcPct val="115000"/>
+                        </a:lnSpc>
+                        <a:spcBef>
+                          <a:spcPts val="0"/>
+                        </a:spcBef>
+                        <a:spcAft>
+                          <a:spcPts val="0"/>
+                        </a:spcAft>
+                      </a:pPr>
+                      <a:r>
+                        <a:rPr lang="en-US" sz="2400">
+                          <a:effectLst/>
+                        </a:rPr>
+                        <a:t>Low income</a:t>
+                      </a:r>
+                      <a:endParaRPr lang="en-US" sz="2400">
+                        <a:effectLst/>
+                        <a:latin typeface="Calibri" panose="020F0502020204030204" pitchFamily="34" charset="0"/>
+                        <a:ea typeface="Calibri" panose="020F0502020204030204" pitchFamily="34" charset="0"/>
+                        <a:cs typeface="Arial" panose="020B0604020202020204" pitchFamily="34" charset="0"/>
+                      </a:endParaRPr>
+                    </a:p>
+                  </a:txBody>
+                  <a:tcPr marL="68580" marR="68580" marT="0" marB="0" anchor="b"/>
+                </a:tc>
+                <a:tc>
+                  <a:txBody>
+                    <a:bodyPr/>
+                    <a:lstStyle/>
+                    <a:p>
+                      <a:pPr marL="0" marR="0" algn="r">
+                        <a:lnSpc>
+                          <a:spcPct val="115000"/>
+                        </a:lnSpc>
+                        <a:spcBef>
+                          <a:spcPts val="0"/>
+                        </a:spcBef>
+                        <a:spcAft>
+                          <a:spcPts val="0"/>
+                        </a:spcAft>
+                      </a:pPr>
+                      <a:r>
+                        <a:rPr lang="en-US" sz="2400">
+                          <a:effectLst/>
+                        </a:rPr>
+                        <a:t>58</a:t>
+                      </a:r>
+                      <a:endParaRPr lang="en-US" sz="2400">
+                        <a:effectLst/>
+                        <a:latin typeface="Calibri" panose="020F0502020204030204" pitchFamily="34" charset="0"/>
+                        <a:ea typeface="Calibri" panose="020F0502020204030204" pitchFamily="34" charset="0"/>
+                        <a:cs typeface="Arial" panose="020B0604020202020204" pitchFamily="34" charset="0"/>
+                      </a:endParaRPr>
+                    </a:p>
+                  </a:txBody>
+                  <a:tcPr marL="68580" marR="68580" marT="0" marB="0" anchor="b"/>
+                </a:tc>
+                <a:tc>
+                  <a:txBody>
+                    <a:bodyPr/>
+                    <a:lstStyle/>
+                    <a:p>
+                      <a:pPr marL="0" marR="0" algn="r">
+                        <a:lnSpc>
+                          <a:spcPct val="115000"/>
+                        </a:lnSpc>
+                        <a:spcBef>
+                          <a:spcPts val="0"/>
+                        </a:spcBef>
+                        <a:spcAft>
+                          <a:spcPts val="0"/>
+                        </a:spcAft>
+                      </a:pPr>
+                      <a:r>
+                        <a:rPr lang="en-US" sz="2400">
+                          <a:effectLst/>
+                        </a:rPr>
+                        <a:t>21</a:t>
+                      </a:r>
+                      <a:endParaRPr lang="en-US" sz="2400">
+                        <a:effectLst/>
+                        <a:latin typeface="Calibri" panose="020F0502020204030204" pitchFamily="34" charset="0"/>
+                        <a:ea typeface="Calibri" panose="020F0502020204030204" pitchFamily="34" charset="0"/>
+                        <a:cs typeface="Arial" panose="020B0604020202020204" pitchFamily="34" charset="0"/>
+                      </a:endParaRPr>
+                    </a:p>
+                  </a:txBody>
+                  <a:tcPr marL="68580" marR="68580" marT="0" marB="0" anchor="b"/>
+                </a:tc>
+                <a:tc>
+                  <a:txBody>
+                    <a:bodyPr/>
+                    <a:lstStyle/>
+                    <a:p>
+                      <a:pPr marL="0" marR="0" algn="r">
+                        <a:lnSpc>
+                          <a:spcPct val="115000"/>
+                        </a:lnSpc>
+                        <a:spcBef>
+                          <a:spcPts val="0"/>
+                        </a:spcBef>
+                        <a:spcAft>
+                          <a:spcPts val="0"/>
+                        </a:spcAft>
+                      </a:pPr>
+                      <a:r>
+                        <a:rPr lang="en-US" sz="2400">
+                          <a:effectLst/>
+                        </a:rPr>
+                        <a:t>36</a:t>
+                      </a:r>
+                      <a:endParaRPr lang="en-US" sz="2400">
+                        <a:effectLst/>
+                        <a:latin typeface="Calibri" panose="020F0502020204030204" pitchFamily="34" charset="0"/>
+                        <a:ea typeface="Calibri" panose="020F0502020204030204" pitchFamily="34" charset="0"/>
+                        <a:cs typeface="Arial" panose="020B0604020202020204" pitchFamily="34" charset="0"/>
+                      </a:endParaRPr>
+                    </a:p>
+                  </a:txBody>
+                  <a:tcPr marL="68580" marR="68580" marT="0" marB="0" anchor="b"/>
+                </a:tc>
+                <a:tc>
+                  <a:txBody>
+                    <a:bodyPr/>
+                    <a:lstStyle/>
+                    <a:p>
+                      <a:pPr marL="0" marR="0" algn="r">
+                        <a:lnSpc>
+                          <a:spcPct val="115000"/>
+                        </a:lnSpc>
+                        <a:spcBef>
+                          <a:spcPts val="0"/>
+                        </a:spcBef>
+                        <a:spcAft>
+                          <a:spcPts val="0"/>
+                        </a:spcAft>
+                      </a:pPr>
+                      <a:r>
+                        <a:rPr lang="en-US" sz="2400">
+                          <a:effectLst/>
+                        </a:rPr>
+                        <a:t>115</a:t>
+                      </a:r>
+                      <a:endParaRPr lang="en-US" sz="2400">
+                        <a:effectLst/>
+                        <a:latin typeface="Calibri" panose="020F0502020204030204" pitchFamily="34" charset="0"/>
+                        <a:ea typeface="Calibri" panose="020F0502020204030204" pitchFamily="34" charset="0"/>
+                        <a:cs typeface="Arial" panose="020B0604020202020204" pitchFamily="34" charset="0"/>
+                      </a:endParaRPr>
+                    </a:p>
+                  </a:txBody>
+                  <a:tcPr marL="68580" marR="68580" marT="0" marB="0" anchor="b"/>
+                </a:tc>
+                <a:extLst>
+                  <a:ext uri="{0D108BD9-81ED-4DB2-BD59-A6C34878D82A}">
+                    <a16:rowId xmlns:a16="http://schemas.microsoft.com/office/drawing/2014/main" val="3801237294"/>
+                  </a:ext>
+                </a:extLst>
+              </a:tr>
+              <a:tr h="190500">
+                <a:tc>
+                  <a:txBody>
+                    <a:bodyPr/>
+                    <a:lstStyle/>
+                    <a:p>
+                      <a:pPr marL="0" marR="0">
+                        <a:lnSpc>
+                          <a:spcPct val="115000"/>
+                        </a:lnSpc>
+                        <a:spcBef>
+                          <a:spcPts val="0"/>
+                        </a:spcBef>
+                        <a:spcAft>
+                          <a:spcPts val="0"/>
+                        </a:spcAft>
+                      </a:pPr>
+                      <a:r>
+                        <a:rPr lang="en-US" sz="2400">
+                          <a:effectLst/>
+                        </a:rPr>
+                        <a:t>Moderate income</a:t>
+                      </a:r>
+                      <a:endParaRPr lang="en-US" sz="2400">
+                        <a:effectLst/>
+                        <a:latin typeface="Calibri" panose="020F0502020204030204" pitchFamily="34" charset="0"/>
+                        <a:ea typeface="Calibri" panose="020F0502020204030204" pitchFamily="34" charset="0"/>
+                        <a:cs typeface="Arial" panose="020B0604020202020204" pitchFamily="34" charset="0"/>
+                      </a:endParaRPr>
+                    </a:p>
+                  </a:txBody>
+                  <a:tcPr marL="68580" marR="68580" marT="0" marB="0" anchor="b"/>
+                </a:tc>
+                <a:tc>
+                  <a:txBody>
+                    <a:bodyPr/>
+                    <a:lstStyle/>
+                    <a:p>
+                      <a:pPr marL="0" marR="0" algn="r">
+                        <a:lnSpc>
+                          <a:spcPct val="115000"/>
+                        </a:lnSpc>
+                        <a:spcBef>
+                          <a:spcPts val="0"/>
+                        </a:spcBef>
+                        <a:spcAft>
+                          <a:spcPts val="0"/>
+                        </a:spcAft>
+                      </a:pPr>
+                      <a:r>
+                        <a:rPr lang="en-US" sz="2400">
+                          <a:effectLst/>
+                        </a:rPr>
+                        <a:t>199</a:t>
+                      </a:r>
+                      <a:endParaRPr lang="en-US" sz="2400">
+                        <a:effectLst/>
+                        <a:latin typeface="Calibri" panose="020F0502020204030204" pitchFamily="34" charset="0"/>
+                        <a:ea typeface="Calibri" panose="020F0502020204030204" pitchFamily="34" charset="0"/>
+                        <a:cs typeface="Arial" panose="020B0604020202020204" pitchFamily="34" charset="0"/>
+                      </a:endParaRPr>
+                    </a:p>
+                  </a:txBody>
+                  <a:tcPr marL="68580" marR="68580" marT="0" marB="0" anchor="b"/>
+                </a:tc>
+                <a:tc>
+                  <a:txBody>
+                    <a:bodyPr/>
+                    <a:lstStyle/>
+                    <a:p>
+                      <a:pPr marL="0" marR="0" algn="r">
+                        <a:lnSpc>
+                          <a:spcPct val="115000"/>
+                        </a:lnSpc>
+                        <a:spcBef>
+                          <a:spcPts val="0"/>
+                        </a:spcBef>
+                        <a:spcAft>
+                          <a:spcPts val="0"/>
+                        </a:spcAft>
+                      </a:pPr>
+                      <a:r>
+                        <a:rPr lang="en-US" sz="2400">
+                          <a:effectLst/>
+                        </a:rPr>
+                        <a:t>49</a:t>
+                      </a:r>
+                      <a:endParaRPr lang="en-US" sz="2400">
+                        <a:effectLst/>
+                        <a:latin typeface="Calibri" panose="020F0502020204030204" pitchFamily="34" charset="0"/>
+                        <a:ea typeface="Calibri" panose="020F0502020204030204" pitchFamily="34" charset="0"/>
+                        <a:cs typeface="Arial" panose="020B0604020202020204" pitchFamily="34" charset="0"/>
+                      </a:endParaRPr>
+                    </a:p>
+                  </a:txBody>
+                  <a:tcPr marL="68580" marR="68580" marT="0" marB="0" anchor="b"/>
+                </a:tc>
+                <a:tc>
+                  <a:txBody>
+                    <a:bodyPr/>
+                    <a:lstStyle/>
+                    <a:p>
+                      <a:pPr marL="0" marR="0" algn="r">
+                        <a:lnSpc>
+                          <a:spcPct val="115000"/>
+                        </a:lnSpc>
+                        <a:spcBef>
+                          <a:spcPts val="0"/>
+                        </a:spcBef>
+                        <a:spcAft>
+                          <a:spcPts val="0"/>
+                        </a:spcAft>
+                      </a:pPr>
+                      <a:r>
+                        <a:rPr lang="en-US" sz="2400">
+                          <a:effectLst/>
+                        </a:rPr>
+                        <a:t>64</a:t>
+                      </a:r>
+                      <a:endParaRPr lang="en-US" sz="2400">
+                        <a:effectLst/>
+                        <a:latin typeface="Calibri" panose="020F0502020204030204" pitchFamily="34" charset="0"/>
+                        <a:ea typeface="Calibri" panose="020F0502020204030204" pitchFamily="34" charset="0"/>
+                        <a:cs typeface="Arial" panose="020B0604020202020204" pitchFamily="34" charset="0"/>
+                      </a:endParaRPr>
+                    </a:p>
+                  </a:txBody>
+                  <a:tcPr marL="68580" marR="68580" marT="0" marB="0" anchor="b"/>
+                </a:tc>
+                <a:tc>
+                  <a:txBody>
+                    <a:bodyPr/>
+                    <a:lstStyle/>
+                    <a:p>
+                      <a:pPr marL="0" marR="0" algn="r">
+                        <a:lnSpc>
+                          <a:spcPct val="115000"/>
+                        </a:lnSpc>
+                        <a:spcBef>
+                          <a:spcPts val="0"/>
+                        </a:spcBef>
+                        <a:spcAft>
+                          <a:spcPts val="0"/>
+                        </a:spcAft>
+                      </a:pPr>
+                      <a:r>
+                        <a:rPr lang="en-US" sz="2400" dirty="0">
+                          <a:effectLst/>
+                        </a:rPr>
+                        <a:t>312</a:t>
+                      </a:r>
+                      <a:endParaRPr lang="en-US" sz="2400" dirty="0">
+                        <a:effectLst/>
+                        <a:latin typeface="Calibri" panose="020F0502020204030204" pitchFamily="34" charset="0"/>
+                        <a:ea typeface="Calibri" panose="020F0502020204030204" pitchFamily="34" charset="0"/>
+                        <a:cs typeface="Arial" panose="020B0604020202020204" pitchFamily="34" charset="0"/>
+                      </a:endParaRPr>
+                    </a:p>
+                  </a:txBody>
+                  <a:tcPr marL="68580" marR="68580" marT="0" marB="0" anchor="b"/>
+                </a:tc>
+                <a:extLst>
+                  <a:ext uri="{0D108BD9-81ED-4DB2-BD59-A6C34878D82A}">
+                    <a16:rowId xmlns:a16="http://schemas.microsoft.com/office/drawing/2014/main" val="1164789977"/>
+                  </a:ext>
+                </a:extLst>
+              </a:tr>
+              <a:tr h="190500">
+                <a:tc>
+                  <a:txBody>
+                    <a:bodyPr/>
+                    <a:lstStyle/>
+                    <a:p>
+                      <a:pPr marL="0" marR="0">
+                        <a:lnSpc>
+                          <a:spcPct val="115000"/>
+                        </a:lnSpc>
+                        <a:spcBef>
+                          <a:spcPts val="0"/>
+                        </a:spcBef>
+                        <a:spcAft>
+                          <a:spcPts val="0"/>
+                        </a:spcAft>
+                      </a:pPr>
+                      <a:r>
+                        <a:rPr lang="en-US" sz="2400">
+                          <a:effectLst/>
+                        </a:rPr>
+                        <a:t>High income</a:t>
+                      </a:r>
+                      <a:endParaRPr lang="en-US" sz="2400">
+                        <a:effectLst/>
+                        <a:latin typeface="Calibri" panose="020F0502020204030204" pitchFamily="34" charset="0"/>
+                        <a:ea typeface="Calibri" panose="020F0502020204030204" pitchFamily="34" charset="0"/>
+                        <a:cs typeface="Arial" panose="020B0604020202020204" pitchFamily="34" charset="0"/>
+                      </a:endParaRPr>
+                    </a:p>
+                  </a:txBody>
+                  <a:tcPr marL="68580" marR="68580" marT="0" marB="0" anchor="b"/>
+                </a:tc>
+                <a:tc>
+                  <a:txBody>
+                    <a:bodyPr/>
+                    <a:lstStyle/>
+                    <a:p>
+                      <a:pPr marL="0" marR="0" algn="r">
+                        <a:lnSpc>
+                          <a:spcPct val="115000"/>
+                        </a:lnSpc>
+                        <a:spcBef>
+                          <a:spcPts val="0"/>
+                        </a:spcBef>
+                        <a:spcAft>
+                          <a:spcPts val="0"/>
+                        </a:spcAft>
+                      </a:pPr>
+                      <a:r>
+                        <a:rPr lang="en-US" sz="2400">
+                          <a:effectLst/>
+                        </a:rPr>
+                        <a:t>205</a:t>
+                      </a:r>
+                      <a:endParaRPr lang="en-US" sz="2400">
+                        <a:effectLst/>
+                        <a:latin typeface="Calibri" panose="020F0502020204030204" pitchFamily="34" charset="0"/>
+                        <a:ea typeface="Calibri" panose="020F0502020204030204" pitchFamily="34" charset="0"/>
+                        <a:cs typeface="Arial" panose="020B0604020202020204" pitchFamily="34" charset="0"/>
+                      </a:endParaRPr>
+                    </a:p>
+                  </a:txBody>
+                  <a:tcPr marL="68580" marR="68580" marT="0" marB="0" anchor="b"/>
+                </a:tc>
+                <a:tc>
+                  <a:txBody>
+                    <a:bodyPr/>
+                    <a:lstStyle/>
+                    <a:p>
+                      <a:pPr marL="0" marR="0" algn="r">
+                        <a:lnSpc>
+                          <a:spcPct val="115000"/>
+                        </a:lnSpc>
+                        <a:spcBef>
+                          <a:spcPts val="0"/>
+                        </a:spcBef>
+                        <a:spcAft>
+                          <a:spcPts val="0"/>
+                        </a:spcAft>
+                      </a:pPr>
+                      <a:r>
+                        <a:rPr lang="en-US" sz="2400">
+                          <a:effectLst/>
+                        </a:rPr>
+                        <a:t>32</a:t>
+                      </a:r>
+                      <a:endParaRPr lang="en-US" sz="2400">
+                        <a:effectLst/>
+                        <a:latin typeface="Calibri" panose="020F0502020204030204" pitchFamily="34" charset="0"/>
+                        <a:ea typeface="Calibri" panose="020F0502020204030204" pitchFamily="34" charset="0"/>
+                        <a:cs typeface="Arial" panose="020B0604020202020204" pitchFamily="34" charset="0"/>
+                      </a:endParaRPr>
+                    </a:p>
+                  </a:txBody>
+                  <a:tcPr marL="68580" marR="68580" marT="0" marB="0" anchor="b"/>
+                </a:tc>
+                <a:tc>
+                  <a:txBody>
+                    <a:bodyPr/>
+                    <a:lstStyle/>
+                    <a:p>
+                      <a:pPr marL="0" marR="0" algn="r">
+                        <a:lnSpc>
+                          <a:spcPct val="115000"/>
+                        </a:lnSpc>
+                        <a:spcBef>
+                          <a:spcPts val="0"/>
+                        </a:spcBef>
+                        <a:spcAft>
+                          <a:spcPts val="0"/>
+                        </a:spcAft>
+                      </a:pPr>
+                      <a:r>
+                        <a:rPr lang="en-US" sz="2400">
+                          <a:effectLst/>
+                        </a:rPr>
+                        <a:t>29</a:t>
+                      </a:r>
+                      <a:endParaRPr lang="en-US" sz="2400">
+                        <a:effectLst/>
+                        <a:latin typeface="Calibri" panose="020F0502020204030204" pitchFamily="34" charset="0"/>
+                        <a:ea typeface="Calibri" panose="020F0502020204030204" pitchFamily="34" charset="0"/>
+                        <a:cs typeface="Arial" panose="020B0604020202020204" pitchFamily="34" charset="0"/>
+                      </a:endParaRPr>
+                    </a:p>
+                  </a:txBody>
+                  <a:tcPr marL="68580" marR="68580" marT="0" marB="0" anchor="b"/>
+                </a:tc>
+                <a:tc>
+                  <a:txBody>
+                    <a:bodyPr/>
+                    <a:lstStyle/>
+                    <a:p>
+                      <a:pPr marL="0" marR="0" algn="r">
+                        <a:lnSpc>
+                          <a:spcPct val="115000"/>
+                        </a:lnSpc>
+                        <a:spcBef>
+                          <a:spcPts val="0"/>
+                        </a:spcBef>
+                        <a:spcAft>
+                          <a:spcPts val="0"/>
+                        </a:spcAft>
+                      </a:pPr>
+                      <a:r>
+                        <a:rPr lang="en-US" sz="2400">
+                          <a:effectLst/>
+                        </a:rPr>
+                        <a:t>266</a:t>
+                      </a:r>
+                      <a:endParaRPr lang="en-US" sz="2400">
+                        <a:effectLst/>
+                        <a:latin typeface="Calibri" panose="020F0502020204030204" pitchFamily="34" charset="0"/>
+                        <a:ea typeface="Calibri" panose="020F0502020204030204" pitchFamily="34" charset="0"/>
+                        <a:cs typeface="Arial" panose="020B0604020202020204" pitchFamily="34" charset="0"/>
+                      </a:endParaRPr>
+                    </a:p>
+                  </a:txBody>
+                  <a:tcPr marL="68580" marR="68580" marT="0" marB="0" anchor="b"/>
+                </a:tc>
+                <a:extLst>
+                  <a:ext uri="{0D108BD9-81ED-4DB2-BD59-A6C34878D82A}">
+                    <a16:rowId xmlns:a16="http://schemas.microsoft.com/office/drawing/2014/main" val="1702039536"/>
+                  </a:ext>
+                </a:extLst>
+              </a:tr>
+              <a:tr h="190500">
+                <a:tc>
+                  <a:txBody>
+                    <a:bodyPr/>
+                    <a:lstStyle/>
+                    <a:p>
+                      <a:pPr marL="0" marR="0">
+                        <a:lnSpc>
+                          <a:spcPct val="115000"/>
+                        </a:lnSpc>
+                        <a:spcBef>
+                          <a:spcPts val="0"/>
+                        </a:spcBef>
+                        <a:spcAft>
+                          <a:spcPts val="0"/>
+                        </a:spcAft>
+                      </a:pPr>
+                      <a:r>
+                        <a:rPr lang="en-US" sz="2400">
+                          <a:effectLst/>
+                        </a:rPr>
+                        <a:t>Total</a:t>
+                      </a:r>
+                      <a:endParaRPr lang="en-US" sz="2400">
+                        <a:effectLst/>
+                        <a:latin typeface="Calibri" panose="020F0502020204030204" pitchFamily="34" charset="0"/>
+                        <a:ea typeface="Calibri" panose="020F0502020204030204" pitchFamily="34" charset="0"/>
+                        <a:cs typeface="Arial" panose="020B0604020202020204" pitchFamily="34" charset="0"/>
+                      </a:endParaRPr>
+                    </a:p>
+                  </a:txBody>
+                  <a:tcPr marL="68580" marR="68580" marT="0" marB="0" anchor="b"/>
+                </a:tc>
+                <a:tc>
+                  <a:txBody>
+                    <a:bodyPr/>
+                    <a:lstStyle/>
+                    <a:p>
+                      <a:pPr marL="0" marR="0" algn="r">
+                        <a:lnSpc>
+                          <a:spcPct val="115000"/>
+                        </a:lnSpc>
+                        <a:spcBef>
+                          <a:spcPts val="0"/>
+                        </a:spcBef>
+                        <a:spcAft>
+                          <a:spcPts val="0"/>
+                        </a:spcAft>
+                      </a:pPr>
+                      <a:r>
+                        <a:rPr lang="en-US" sz="2400" dirty="0">
+                          <a:effectLst/>
+                        </a:rPr>
+                        <a:t>462</a:t>
+                      </a:r>
+                      <a:endParaRPr lang="en-US" sz="2400" dirty="0">
+                        <a:effectLst/>
+                        <a:latin typeface="Calibri" panose="020F0502020204030204" pitchFamily="34" charset="0"/>
+                        <a:ea typeface="Calibri" panose="020F0502020204030204" pitchFamily="34" charset="0"/>
+                        <a:cs typeface="Arial" panose="020B0604020202020204" pitchFamily="34" charset="0"/>
+                      </a:endParaRPr>
+                    </a:p>
+                  </a:txBody>
+                  <a:tcPr marL="68580" marR="68580" marT="0" marB="0" anchor="b"/>
+                </a:tc>
+                <a:tc>
+                  <a:txBody>
+                    <a:bodyPr/>
+                    <a:lstStyle/>
+                    <a:p>
+                      <a:pPr marL="0" marR="0" algn="r">
+                        <a:lnSpc>
+                          <a:spcPct val="115000"/>
+                        </a:lnSpc>
+                        <a:spcBef>
+                          <a:spcPts val="0"/>
+                        </a:spcBef>
+                        <a:spcAft>
+                          <a:spcPts val="0"/>
+                        </a:spcAft>
+                      </a:pPr>
+                      <a:r>
+                        <a:rPr lang="en-US" sz="2400">
+                          <a:effectLst/>
+                        </a:rPr>
+                        <a:t>102</a:t>
+                      </a:r>
+                      <a:endParaRPr lang="en-US" sz="2400">
+                        <a:effectLst/>
+                        <a:latin typeface="Calibri" panose="020F0502020204030204" pitchFamily="34" charset="0"/>
+                        <a:ea typeface="Calibri" panose="020F0502020204030204" pitchFamily="34" charset="0"/>
+                        <a:cs typeface="Arial" panose="020B0604020202020204" pitchFamily="34" charset="0"/>
+                      </a:endParaRPr>
+                    </a:p>
+                  </a:txBody>
+                  <a:tcPr marL="68580" marR="68580" marT="0" marB="0" anchor="b"/>
+                </a:tc>
+                <a:tc>
+                  <a:txBody>
+                    <a:bodyPr/>
+                    <a:lstStyle/>
+                    <a:p>
+                      <a:pPr marL="0" marR="0" algn="r">
+                        <a:lnSpc>
+                          <a:spcPct val="115000"/>
+                        </a:lnSpc>
+                        <a:spcBef>
+                          <a:spcPts val="0"/>
+                        </a:spcBef>
+                        <a:spcAft>
+                          <a:spcPts val="0"/>
+                        </a:spcAft>
+                      </a:pPr>
+                      <a:r>
+                        <a:rPr lang="en-US" sz="2400">
+                          <a:effectLst/>
+                        </a:rPr>
+                        <a:t>129</a:t>
+                      </a:r>
+                      <a:endParaRPr lang="en-US" sz="2400">
+                        <a:effectLst/>
+                        <a:latin typeface="Calibri" panose="020F0502020204030204" pitchFamily="34" charset="0"/>
+                        <a:ea typeface="Calibri" panose="020F0502020204030204" pitchFamily="34" charset="0"/>
+                        <a:cs typeface="Arial" panose="020B0604020202020204" pitchFamily="34" charset="0"/>
+                      </a:endParaRPr>
+                    </a:p>
+                  </a:txBody>
+                  <a:tcPr marL="68580" marR="68580" marT="0" marB="0" anchor="b"/>
+                </a:tc>
+                <a:tc>
+                  <a:txBody>
+                    <a:bodyPr/>
+                    <a:lstStyle/>
+                    <a:p>
+                      <a:pPr marL="0" marR="0" algn="r">
+                        <a:lnSpc>
+                          <a:spcPct val="115000"/>
+                        </a:lnSpc>
+                        <a:spcBef>
+                          <a:spcPts val="0"/>
+                        </a:spcBef>
+                        <a:spcAft>
+                          <a:spcPts val="0"/>
+                        </a:spcAft>
+                      </a:pPr>
+                      <a:r>
+                        <a:rPr lang="en-US" sz="2400" dirty="0">
+                          <a:effectLst/>
+                        </a:rPr>
+                        <a:t>693</a:t>
+                      </a:r>
+                      <a:endParaRPr lang="en-US" sz="2400" dirty="0">
+                        <a:effectLst/>
+                        <a:latin typeface="Calibri" panose="020F0502020204030204" pitchFamily="34" charset="0"/>
+                        <a:ea typeface="Calibri" panose="020F0502020204030204" pitchFamily="34" charset="0"/>
+                        <a:cs typeface="Arial" panose="020B0604020202020204" pitchFamily="34" charset="0"/>
+                      </a:endParaRPr>
+                    </a:p>
+                  </a:txBody>
+                  <a:tcPr marL="68580" marR="68580" marT="0" marB="0" anchor="b"/>
+                </a:tc>
+                <a:extLst>
+                  <a:ext uri="{0D108BD9-81ED-4DB2-BD59-A6C34878D82A}">
+                    <a16:rowId xmlns:a16="http://schemas.microsoft.com/office/drawing/2014/main" val="211182468"/>
+                  </a:ext>
+                </a:extLst>
+              </a:tr>
+            </a:tbl>
+          </a:graphicData>
+        </a:graphic>
+      </p:graphicFrame>
+    </p:spTree>
+    <p:extLst>
+      <p:ext uri="{BB962C8B-B14F-4D97-AF65-F5344CB8AC3E}">
+        <p14:creationId xmlns:p14="http://schemas.microsoft.com/office/powerpoint/2010/main" val="2415690264"/>
       </p:ext>
     </p:extLst>
   </p:cSld>

--- a/in_class_slides/geog4300_W09-1 Chi square normality non-parametric.pptx
+++ b/in_class_slides/geog4300_W09-1 Chi square normality non-parametric.pptx
@@ -208,7 +208,7 @@
           <a:p>
             <a:fld id="{F1C23026-85D4-48E8-9219-18000F688023}" type="datetimeFigureOut">
               <a:rPr lang="en-US" smtClean="0"/>
-              <a:t>10/15/2024</a:t>
+              <a:t>10/22/2024</a:t>
             </a:fld>
             <a:endParaRPr lang="en-US"/>
           </a:p>
@@ -2772,7 +2772,7 @@
           <a:p>
             <a:fld id="{93C8B963-0F36-48FC-991E-AA63861DA924}" type="datetimeFigureOut">
               <a:rPr lang="en-US" smtClean="0"/>
-              <a:t>10/15/2024</a:t>
+              <a:t>10/22/2024</a:t>
             </a:fld>
             <a:endParaRPr lang="en-US"/>
           </a:p>
@@ -3070,7 +3070,7 @@
           <a:p>
             <a:fld id="{93C8B963-0F36-48FC-991E-AA63861DA924}" type="datetimeFigureOut">
               <a:rPr lang="en-US" smtClean="0"/>
-              <a:t>10/15/2024</a:t>
+              <a:t>10/22/2024</a:t>
             </a:fld>
             <a:endParaRPr lang="en-US"/>
           </a:p>
@@ -3262,7 +3262,7 @@
           <a:p>
             <a:fld id="{93C8B963-0F36-48FC-991E-AA63861DA924}" type="datetimeFigureOut">
               <a:rPr lang="en-US" smtClean="0"/>
-              <a:t>10/15/2024</a:t>
+              <a:t>10/22/2024</a:t>
             </a:fld>
             <a:endParaRPr lang="en-US"/>
           </a:p>
@@ -3523,7 +3523,7 @@
           <a:p>
             <a:fld id="{93C8B963-0F36-48FC-991E-AA63861DA924}" type="datetimeFigureOut">
               <a:rPr lang="en-US" smtClean="0"/>
-              <a:t>10/15/2024</a:t>
+              <a:t>10/22/2024</a:t>
             </a:fld>
             <a:endParaRPr lang="en-US"/>
           </a:p>
@@ -3947,7 +3947,7 @@
           <a:p>
             <a:fld id="{93C8B963-0F36-48FC-991E-AA63861DA924}" type="datetimeFigureOut">
               <a:rPr lang="en-US" smtClean="0"/>
-              <a:t>10/15/2024</a:t>
+              <a:t>10/22/2024</a:t>
             </a:fld>
             <a:endParaRPr lang="en-US"/>
           </a:p>
@@ -4484,7 +4484,7 @@
           <a:p>
             <a:fld id="{93C8B963-0F36-48FC-991E-AA63861DA924}" type="datetimeFigureOut">
               <a:rPr lang="en-US" smtClean="0"/>
-              <a:t>10/15/2024</a:t>
+              <a:t>10/22/2024</a:t>
             </a:fld>
             <a:endParaRPr lang="en-US"/>
           </a:p>
@@ -5348,7 +5348,7 @@
           <a:p>
             <a:fld id="{93C8B963-0F36-48FC-991E-AA63861DA924}" type="datetimeFigureOut">
               <a:rPr lang="en-US" smtClean="0"/>
-              <a:t>10/15/2024</a:t>
+              <a:t>10/22/2024</a:t>
             </a:fld>
             <a:endParaRPr lang="en-US"/>
           </a:p>
@@ -5518,7 +5518,7 @@
           <a:p>
             <a:fld id="{93C8B963-0F36-48FC-991E-AA63861DA924}" type="datetimeFigureOut">
               <a:rPr lang="en-US" smtClean="0"/>
-              <a:t>10/15/2024</a:t>
+              <a:t>10/22/2024</a:t>
             </a:fld>
             <a:endParaRPr lang="en-US"/>
           </a:p>
@@ -5702,7 +5702,7 @@
           <a:p>
             <a:fld id="{93C8B963-0F36-48FC-991E-AA63861DA924}" type="datetimeFigureOut">
               <a:rPr lang="en-US" smtClean="0"/>
-              <a:t>10/15/2024</a:t>
+              <a:t>10/22/2024</a:t>
             </a:fld>
             <a:endParaRPr lang="en-US"/>
           </a:p>
@@ -5872,7 +5872,7 @@
           <a:p>
             <a:fld id="{93C8B963-0F36-48FC-991E-AA63861DA924}" type="datetimeFigureOut">
               <a:rPr lang="en-US" smtClean="0"/>
-              <a:t>10/15/2024</a:t>
+              <a:t>10/22/2024</a:t>
             </a:fld>
             <a:endParaRPr lang="en-US"/>
           </a:p>
@@ -6116,7 +6116,7 @@
           <a:p>
             <a:fld id="{93C8B963-0F36-48FC-991E-AA63861DA924}" type="datetimeFigureOut">
               <a:rPr lang="en-US" smtClean="0"/>
-              <a:t>10/15/2024</a:t>
+              <a:t>10/22/2024</a:t>
             </a:fld>
             <a:endParaRPr lang="en-US"/>
           </a:p>
@@ -6352,7 +6352,7 @@
           <a:p>
             <a:fld id="{93C8B963-0F36-48FC-991E-AA63861DA924}" type="datetimeFigureOut">
               <a:rPr lang="en-US" smtClean="0"/>
-              <a:t>10/15/2024</a:t>
+              <a:t>10/22/2024</a:t>
             </a:fld>
             <a:endParaRPr lang="en-US"/>
           </a:p>
@@ -6818,7 +6818,7 @@
           <a:p>
             <a:fld id="{93C8B963-0F36-48FC-991E-AA63861DA924}" type="datetimeFigureOut">
               <a:rPr lang="en-US" smtClean="0"/>
-              <a:t>10/15/2024</a:t>
+              <a:t>10/22/2024</a:t>
             </a:fld>
             <a:endParaRPr lang="en-US"/>
           </a:p>
@@ -6936,7 +6936,7 @@
           <a:p>
             <a:fld id="{93C8B963-0F36-48FC-991E-AA63861DA924}" type="datetimeFigureOut">
               <a:rPr lang="en-US" smtClean="0"/>
-              <a:t>10/15/2024</a:t>
+              <a:t>10/22/2024</a:t>
             </a:fld>
             <a:endParaRPr lang="en-US"/>
           </a:p>
@@ -7031,7 +7031,7 @@
           <a:p>
             <a:fld id="{93C8B963-0F36-48FC-991E-AA63861DA924}" type="datetimeFigureOut">
               <a:rPr lang="en-US" smtClean="0"/>
-              <a:t>10/15/2024</a:t>
+              <a:t>10/22/2024</a:t>
             </a:fld>
             <a:endParaRPr lang="en-US"/>
           </a:p>
@@ -7286,7 +7286,7 @@
           <a:p>
             <a:fld id="{93C8B963-0F36-48FC-991E-AA63861DA924}" type="datetimeFigureOut">
               <a:rPr lang="en-US" smtClean="0"/>
-              <a:t>10/15/2024</a:t>
+              <a:t>10/22/2024</a:t>
             </a:fld>
             <a:endParaRPr lang="en-US"/>
           </a:p>
@@ -7586,7 +7586,7 @@
           <a:p>
             <a:fld id="{93C8B963-0F36-48FC-991E-AA63861DA924}" type="datetimeFigureOut">
               <a:rPr lang="en-US" smtClean="0"/>
-              <a:t>10/15/2024</a:t>
+              <a:t>10/22/2024</a:t>
             </a:fld>
             <a:endParaRPr lang="en-US"/>
           </a:p>
@@ -7820,7 +7820,7 @@
           <a:p>
             <a:fld id="{93C8B963-0F36-48FC-991E-AA63861DA924}" type="datetimeFigureOut">
               <a:rPr lang="en-US" smtClean="0"/>
-              <a:t>10/15/2024</a:t>
+              <a:t>10/22/2024</a:t>
             </a:fld>
             <a:endParaRPr lang="en-US"/>
           </a:p>
@@ -13695,7 +13695,7 @@
 </file>
 
 <file path=ppt/slides/slide4.xml><?xml version="1.0" encoding="utf-8"?>
-<p:sld xmlns:a="http://schemas.openxmlformats.org/drawingml/2006/main" xmlns:r="http://schemas.openxmlformats.org/officeDocument/2006/relationships" xmlns:p="http://schemas.openxmlformats.org/presentationml/2006/main">
+<p:sld xmlns:a="http://schemas.openxmlformats.org/drawingml/2006/main" xmlns:r="http://schemas.openxmlformats.org/officeDocument/2006/relationships" xmlns:p="http://schemas.openxmlformats.org/presentationml/2006/main" show="0">
   <p:cSld>
     <p:spTree>
       <p:nvGrpSpPr>
